--- a/Short Story/Pruning Methods for Person Reidentification.pptx
+++ b/Short Story/Pruning Methods for Person Reidentification.pptx
@@ -121,6 +121,11 @@
       </a:defRPr>
     </a:lvl9pPr>
   </p:defaultTextStyle>
+  <p:extLst>
+    <p:ext uri="{EFAFB233-063F-42B5-8137-9DF3F51BA10A}">
+      <p15:sldGuideLst xmlns:p15="http://schemas.microsoft.com/office/powerpoint/2012/main"/>
+    </p:ext>
+  </p:extLst>
 </p:presentation>
 </file>
 
@@ -15847,7 +15852,7 @@
         <p:spPr>
           <a:xfrm>
             <a:off x="1759236" y="2075504"/>
-            <a:ext cx="8679915" cy="2242496"/>
+            <a:ext cx="8679915" cy="1899596"/>
           </a:xfrm>
         </p:spPr>
         <p:txBody>
@@ -15886,8 +15891,8 @@
         </p:nvSpPr>
         <p:spPr>
           <a:xfrm>
-            <a:off x="1759236" y="4452366"/>
-            <a:ext cx="8673427" cy="1322587"/>
+            <a:off x="1759236" y="3975100"/>
+            <a:ext cx="8673427" cy="1799853"/>
           </a:xfrm>
         </p:spPr>
         <p:txBody>
@@ -15904,6 +15909,32 @@
               <a:rPr lang="en-IN" dirty="0"/>
               <a:t>(Student at San Jose State University)</a:t>
             </a:r>
+          </a:p>
+          <a:p>
+            <a:r>
+              <a:rPr lang="en-IN" dirty="0"/>
+              <a:t>Original Paper : </a:t>
+            </a:r>
+            <a:r>
+              <a:rPr lang="en-IN" dirty="0">
+                <a:solidFill>
+                  <a:schemeClr val="bg1"/>
+                </a:solidFill>
+                <a:hlinkClick r:id="rId2">
+                  <a:extLst>
+                    <a:ext uri="{A12FA001-AC4F-418D-AE19-62706E023703}">
+                      <ahyp:hlinkClr xmlns:ahyp="http://schemas.microsoft.com/office/drawing/2018/hyperlinkcolor" val="tx"/>
+                    </a:ext>
+                  </a:extLst>
+                </a:hlinkClick>
+              </a:rPr>
+              <a:t>https://arxiv.org/abs/1907.02547</a:t>
+            </a:r>
+            <a:endParaRPr lang="en-IN" dirty="0">
+              <a:solidFill>
+                <a:schemeClr val="bg1"/>
+              </a:solidFill>
+            </a:endParaRPr>
           </a:p>
         </p:txBody>
       </p:sp>
